--- a/readme.pptx
+++ b/readme.pptx
@@ -198,7 +198,7 @@
           <a:p>
             <a:fld id="{275DF883-0C03-42FD-B284-EB43381B79C4}" type="datetimeFigureOut">
               <a:rPr lang="en-GB" smtClean="0"/>
-              <a:t>25/07/2020</a:t>
+              <a:t>03/08/2020</a:t>
             </a:fld>
             <a:endParaRPr lang="en-GB"/>
           </a:p>
@@ -623,7 +623,7 @@
           <a:p>
             <a:fld id="{81CB6D32-C12F-4BF5-B779-A54ADF51E88D}" type="datetimeFigureOut">
               <a:rPr lang="en-GB" smtClean="0"/>
-              <a:t>25/07/2020</a:t>
+              <a:t>03/08/2020</a:t>
             </a:fld>
             <a:endParaRPr lang="en-GB"/>
           </a:p>
@@ -1434,12 +1434,15 @@
         </p:nvSpPr>
         <p:spPr>
           <a:xfrm>
-            <a:off x="455799" y="1606416"/>
+            <a:off x="455799" y="2357421"/>
             <a:ext cx="2866238" cy="503339"/>
           </a:xfrm>
           <a:prstGeom prst="rect">
             <a:avLst/>
           </a:prstGeom>
+          <a:solidFill>
+            <a:schemeClr val="accent2"/>
+          </a:solidFill>
         </p:spPr>
         <p:style>
           <a:lnRef idx="2">
@@ -1483,12 +1486,15 @@
         </p:nvSpPr>
         <p:spPr>
           <a:xfrm>
-            <a:off x="4078853" y="1606417"/>
+            <a:off x="4078853" y="2357422"/>
             <a:ext cx="2657914" cy="503339"/>
           </a:xfrm>
           <a:prstGeom prst="rect">
             <a:avLst/>
           </a:prstGeom>
+          <a:solidFill>
+            <a:schemeClr val="accent2"/>
+          </a:solidFill>
         </p:spPr>
         <p:style>
           <a:lnRef idx="2">
@@ -1532,12 +1538,15 @@
         </p:nvSpPr>
         <p:spPr>
           <a:xfrm>
-            <a:off x="4078853" y="3735833"/>
+            <a:off x="4103315" y="3888284"/>
             <a:ext cx="2657914" cy="503339"/>
           </a:xfrm>
           <a:prstGeom prst="rect">
             <a:avLst/>
           </a:prstGeom>
+          <a:solidFill>
+            <a:schemeClr val="accent2"/>
+          </a:solidFill>
         </p:spPr>
         <p:style>
           <a:lnRef idx="2">
@@ -1581,7 +1590,7 @@
         </p:nvSpPr>
         <p:spPr>
           <a:xfrm>
-            <a:off x="1311480" y="2672215"/>
+            <a:off x="4552133" y="971547"/>
             <a:ext cx="1711354" cy="628523"/>
           </a:xfrm>
           <a:prstGeom prst="flowChartDocument">
@@ -1630,8 +1639,8 @@
         </p:nvSpPr>
         <p:spPr>
           <a:xfrm>
-            <a:off x="3609478" y="2666137"/>
-            <a:ext cx="1711354" cy="628523"/>
+            <a:off x="4241337" y="3131717"/>
+            <a:ext cx="1095518" cy="503340"/>
           </a:xfrm>
           <a:prstGeom prst="flowChartDocument">
             <a:avLst/>
@@ -1680,8 +1689,8 @@
         </p:nvSpPr>
         <p:spPr>
           <a:xfrm>
-            <a:off x="7648664" y="4154999"/>
-            <a:ext cx="1711354" cy="628523"/>
+            <a:off x="4863015" y="4743318"/>
+            <a:ext cx="1138513" cy="410173"/>
           </a:xfrm>
           <a:prstGeom prst="flowChartDocument">
             <a:avLst/>
@@ -1730,12 +1739,15 @@
         </p:nvSpPr>
         <p:spPr>
           <a:xfrm>
-            <a:off x="8445618" y="1586869"/>
+            <a:off x="541197" y="5016453"/>
             <a:ext cx="2657915" cy="503339"/>
           </a:xfrm>
           <a:prstGeom prst="rect">
             <a:avLst/>
           </a:prstGeom>
+          <a:solidFill>
+            <a:schemeClr val="accent2"/>
+          </a:solidFill>
         </p:spPr>
         <p:style>
           <a:lnRef idx="2">
@@ -1779,12 +1791,15 @@
         </p:nvSpPr>
         <p:spPr>
           <a:xfrm>
-            <a:off x="4103315" y="5103611"/>
+            <a:off x="4103315" y="5854616"/>
             <a:ext cx="2657914" cy="503339"/>
           </a:xfrm>
           <a:prstGeom prst="rect">
             <a:avLst/>
           </a:prstGeom>
+          <a:solidFill>
+            <a:schemeClr val="accent2"/>
+          </a:solidFill>
         </p:spPr>
         <p:style>
           <a:lnRef idx="2">
@@ -1825,15 +1840,15 @@
           </p:cNvPr>
           <p:cNvCxnSpPr>
             <a:cxnSpLocks/>
-            <a:stCxn id="4" idx="2"/>
-            <a:endCxn id="9" idx="0"/>
+            <a:stCxn id="4" idx="3"/>
+            <a:endCxn id="9" idx="1"/>
           </p:cNvCxnSpPr>
           <p:nvPr/>
         </p:nvCxnSpPr>
         <p:spPr>
-          <a:xfrm>
-            <a:off x="1888918" y="2109755"/>
-            <a:ext cx="278239" cy="562460"/>
+          <a:xfrm flipV="1">
+            <a:off x="3322037" y="1285809"/>
+            <a:ext cx="1230096" cy="1323282"/>
           </a:xfrm>
           <a:prstGeom prst="straightConnector1">
             <a:avLst/>
@@ -1875,8 +1890,8 @@
         </p:nvCxnSpPr>
         <p:spPr>
           <a:xfrm flipH="1">
-            <a:off x="4465155" y="2109756"/>
-            <a:ext cx="942655" cy="556381"/>
+            <a:off x="4789096" y="2860761"/>
+            <a:ext cx="618714" cy="270956"/>
           </a:xfrm>
           <a:prstGeom prst="straightConnector1">
             <a:avLst/>
@@ -1911,15 +1926,15 @@
           </p:cNvPr>
           <p:cNvCxnSpPr>
             <a:cxnSpLocks/>
-            <a:stCxn id="9" idx="0"/>
-            <a:endCxn id="6" idx="1"/>
+            <a:stCxn id="9" idx="2"/>
+            <a:endCxn id="6" idx="0"/>
           </p:cNvCxnSpPr>
           <p:nvPr/>
         </p:nvCxnSpPr>
         <p:spPr>
-          <a:xfrm flipV="1">
-            <a:off x="2167157" y="1858087"/>
-            <a:ext cx="1911696" cy="814128"/>
+          <a:xfrm>
+            <a:off x="5407810" y="1558518"/>
+            <a:ext cx="0" cy="798904"/>
           </a:xfrm>
           <a:prstGeom prst="straightConnector1">
             <a:avLst/>
@@ -1954,15 +1969,15 @@
           </p:cNvPr>
           <p:cNvCxnSpPr>
             <a:cxnSpLocks/>
-            <a:stCxn id="8" idx="3"/>
-            <a:endCxn id="13" idx="1"/>
+            <a:stCxn id="8" idx="2"/>
+            <a:endCxn id="13" idx="0"/>
           </p:cNvCxnSpPr>
           <p:nvPr/>
         </p:nvCxnSpPr>
         <p:spPr>
           <a:xfrm>
-            <a:off x="6736767" y="3987503"/>
-            <a:ext cx="911897" cy="481758"/>
+            <a:off x="5432272" y="4391623"/>
+            <a:ext cx="0" cy="351695"/>
           </a:xfrm>
           <a:prstGeom prst="straightConnector1">
             <a:avLst/>
@@ -2004,8 +2019,8 @@
         </p:nvCxnSpPr>
         <p:spPr>
           <a:xfrm flipH="1">
-            <a:off x="5407810" y="3255758"/>
-            <a:ext cx="953843" cy="480075"/>
+            <a:off x="5432272" y="3556644"/>
+            <a:ext cx="676242" cy="331640"/>
           </a:xfrm>
           <a:prstGeom prst="straightConnector1">
             <a:avLst/>
@@ -2040,15 +2055,15 @@
           </p:cNvPr>
           <p:cNvCxnSpPr>
             <a:cxnSpLocks/>
-            <a:stCxn id="13" idx="1"/>
-            <a:endCxn id="17" idx="3"/>
+            <a:stCxn id="13" idx="2"/>
+            <a:endCxn id="17" idx="0"/>
           </p:cNvCxnSpPr>
           <p:nvPr/>
         </p:nvCxnSpPr>
         <p:spPr>
-          <a:xfrm flipH="1">
-            <a:off x="6761229" y="4469261"/>
-            <a:ext cx="887435" cy="886020"/>
+          <a:xfrm>
+            <a:off x="5432272" y="5126374"/>
+            <a:ext cx="0" cy="728242"/>
           </a:xfrm>
           <a:prstGeom prst="straightConnector1">
             <a:avLst/>
@@ -2086,8 +2101,8 @@
         </p:nvSpPr>
         <p:spPr>
           <a:xfrm>
-            <a:off x="5505976" y="2668787"/>
-            <a:ext cx="1711354" cy="628523"/>
+            <a:off x="5560755" y="3122729"/>
+            <a:ext cx="1095518" cy="464632"/>
           </a:xfrm>
           <a:prstGeom prst="flowChartDocument">
             <a:avLst/>
@@ -2140,8 +2155,8 @@
         </p:nvCxnSpPr>
         <p:spPr>
           <a:xfrm>
-            <a:off x="4465155" y="3253108"/>
-            <a:ext cx="942655" cy="482725"/>
+            <a:off x="4789096" y="3601781"/>
+            <a:ext cx="643176" cy="286503"/>
           </a:xfrm>
           <a:prstGeom prst="straightConnector1">
             <a:avLst/>
@@ -2183,8 +2198,8 @@
         </p:nvCxnSpPr>
         <p:spPr>
           <a:xfrm>
-            <a:off x="5407810" y="2109756"/>
-            <a:ext cx="953843" cy="559031"/>
+            <a:off x="5407810" y="2860761"/>
+            <a:ext cx="700704" cy="261968"/>
           </a:xfrm>
           <a:prstGeom prst="straightConnector1">
             <a:avLst/>
@@ -2222,7 +2237,7 @@
         </p:nvSpPr>
         <p:spPr>
           <a:xfrm>
-            <a:off x="304445" y="1102293"/>
+            <a:off x="304445" y="1853298"/>
             <a:ext cx="3119889" cy="1332998"/>
           </a:xfrm>
           <a:prstGeom prst="rect">
@@ -2281,8 +2296,8 @@
         </p:nvSpPr>
         <p:spPr>
           <a:xfrm>
-            <a:off x="3558676" y="1102292"/>
-            <a:ext cx="3747193" cy="3366969"/>
+            <a:off x="3558676" y="1853298"/>
+            <a:ext cx="3747193" cy="2661192"/>
           </a:xfrm>
           <a:prstGeom prst="rect">
             <a:avLst/>
@@ -2340,7 +2355,7 @@
         </p:nvSpPr>
         <p:spPr>
           <a:xfrm>
-            <a:off x="3567450" y="4585084"/>
+            <a:off x="3567450" y="5336089"/>
             <a:ext cx="3738419" cy="1332998"/>
           </a:xfrm>
           <a:prstGeom prst="rect">
@@ -2399,8 +2414,8 @@
         </p:nvSpPr>
         <p:spPr>
           <a:xfrm>
-            <a:off x="8043219" y="939917"/>
-            <a:ext cx="3738419" cy="1332998"/>
+            <a:off x="298110" y="4669235"/>
+            <a:ext cx="3119889" cy="1050082"/>
           </a:xfrm>
           <a:prstGeom prst="rect">
             <a:avLst/>
@@ -2440,6 +2455,809 @@
                 </a:solidFill>
               </a:rPr>
               <a:t>./view.sh</a:t>
+            </a:r>
+          </a:p>
+        </p:txBody>
+      </p:sp>
+      <p:sp>
+        <p:nvSpPr>
+          <p:cNvPr id="3" name="Rectangle 2">
+            <a:extLst>
+              <a:ext uri="{FF2B5EF4-FFF2-40B4-BE49-F238E27FC236}">
+                <a16:creationId xmlns:a16="http://schemas.microsoft.com/office/drawing/2014/main" id="{A3FB7559-CEB8-454E-ADBB-AEA977AEC7D7}"/>
+              </a:ext>
+            </a:extLst>
+          </p:cNvPr>
+          <p:cNvSpPr/>
+          <p:nvPr/>
+        </p:nvSpPr>
+        <p:spPr>
+          <a:xfrm>
+            <a:off x="8532961" y="2302257"/>
+            <a:ext cx="2657914" cy="503339"/>
+          </a:xfrm>
+          <a:prstGeom prst="rect">
+            <a:avLst/>
+          </a:prstGeom>
+          <a:solidFill>
+            <a:schemeClr val="accent2"/>
+          </a:solidFill>
+        </p:spPr>
+        <p:style>
+          <a:lnRef idx="2">
+            <a:schemeClr val="accent1">
+              <a:shade val="50000"/>
+            </a:schemeClr>
+          </a:lnRef>
+          <a:fillRef idx="1">
+            <a:schemeClr val="accent1"/>
+          </a:fillRef>
+          <a:effectRef idx="0">
+            <a:schemeClr val="accent1"/>
+          </a:effectRef>
+          <a:fontRef idx="minor">
+            <a:schemeClr val="lt1"/>
+          </a:fontRef>
+        </p:style>
+        <p:txBody>
+          <a:bodyPr rtlCol="0" anchor="ctr"/>
+          <a:lstStyle/>
+          <a:p>
+            <a:pPr algn="ctr"/>
+            <a:r>
+              <a:rPr lang="en-GB" dirty="0"/>
+              <a:t>learnbot_learn_deciles.py</a:t>
+            </a:r>
+          </a:p>
+        </p:txBody>
+      </p:sp>
+      <p:cxnSp>
+        <p:nvCxnSpPr>
+          <p:cNvPr id="7" name="Straight Arrow Connector 6">
+            <a:extLst>
+              <a:ext uri="{FF2B5EF4-FFF2-40B4-BE49-F238E27FC236}">
+                <a16:creationId xmlns:a16="http://schemas.microsoft.com/office/drawing/2014/main" id="{EC38E480-1BD3-4C97-889B-CFB51662B129}"/>
+              </a:ext>
+            </a:extLst>
+          </p:cNvPr>
+          <p:cNvCxnSpPr>
+            <a:cxnSpLocks/>
+            <a:stCxn id="9" idx="3"/>
+            <a:endCxn id="3" idx="1"/>
+          </p:cNvCxnSpPr>
+          <p:nvPr/>
+        </p:nvCxnSpPr>
+        <p:spPr>
+          <a:xfrm>
+            <a:off x="6263487" y="1285809"/>
+            <a:ext cx="2269474" cy="1268118"/>
+          </a:xfrm>
+          <a:prstGeom prst="straightConnector1">
+            <a:avLst/>
+          </a:prstGeom>
+          <a:ln>
+            <a:tailEnd type="triangle"/>
+          </a:ln>
+        </p:spPr>
+        <p:style>
+          <a:lnRef idx="1">
+            <a:schemeClr val="accent1"/>
+          </a:lnRef>
+          <a:fillRef idx="0">
+            <a:schemeClr val="accent1"/>
+          </a:fillRef>
+          <a:effectRef idx="0">
+            <a:schemeClr val="accent1"/>
+          </a:effectRef>
+          <a:fontRef idx="minor">
+            <a:schemeClr val="tx1"/>
+          </a:fontRef>
+        </p:style>
+      </p:cxnSp>
+      <p:sp>
+        <p:nvSpPr>
+          <p:cNvPr id="16" name="Flowchart: Multidocument 15">
+            <a:extLst>
+              <a:ext uri="{FF2B5EF4-FFF2-40B4-BE49-F238E27FC236}">
+                <a16:creationId xmlns:a16="http://schemas.microsoft.com/office/drawing/2014/main" id="{B526E970-08F0-444E-8F7A-AA94758356F0}"/>
+              </a:ext>
+            </a:extLst>
+          </p:cNvPr>
+          <p:cNvSpPr/>
+          <p:nvPr/>
+        </p:nvSpPr>
+        <p:spPr>
+          <a:xfrm>
+            <a:off x="8900795" y="3987906"/>
+            <a:ext cx="1711354" cy="721031"/>
+          </a:xfrm>
+          <a:prstGeom prst="flowChartMultidocument">
+            <a:avLst/>
+          </a:prstGeom>
+        </p:spPr>
+        <p:style>
+          <a:lnRef idx="2">
+            <a:schemeClr val="accent1">
+              <a:shade val="50000"/>
+            </a:schemeClr>
+          </a:lnRef>
+          <a:fillRef idx="1">
+            <a:schemeClr val="accent1"/>
+          </a:fillRef>
+          <a:effectRef idx="0">
+            <a:schemeClr val="accent1"/>
+          </a:effectRef>
+          <a:fontRef idx="minor">
+            <a:schemeClr val="lt1"/>
+          </a:fontRef>
+        </p:style>
+        <p:txBody>
+          <a:bodyPr rtlCol="0" anchor="ctr"/>
+          <a:lstStyle/>
+          <a:p>
+            <a:pPr algn="ctr"/>
+            <a:r>
+              <a:rPr lang="en-GB" dirty="0"/>
+              <a:t>q10-100.npy</a:t>
+            </a:r>
+          </a:p>
+        </p:txBody>
+      </p:sp>
+      <p:cxnSp>
+        <p:nvCxnSpPr>
+          <p:cNvPr id="36" name="Straight Arrow Connector 35">
+            <a:extLst>
+              <a:ext uri="{FF2B5EF4-FFF2-40B4-BE49-F238E27FC236}">
+                <a16:creationId xmlns:a16="http://schemas.microsoft.com/office/drawing/2014/main" id="{98210001-C3FA-4B7D-A192-01BD8D58E9B2}"/>
+              </a:ext>
+            </a:extLst>
+          </p:cNvPr>
+          <p:cNvCxnSpPr>
+            <a:cxnSpLocks/>
+            <a:stCxn id="3" idx="2"/>
+            <a:endCxn id="16" idx="0"/>
+          </p:cNvCxnSpPr>
+          <p:nvPr/>
+        </p:nvCxnSpPr>
+        <p:spPr>
+          <a:xfrm>
+            <a:off x="9861918" y="2805596"/>
+            <a:ext cx="12289" cy="1182310"/>
+          </a:xfrm>
+          <a:prstGeom prst="straightConnector1">
+            <a:avLst/>
+          </a:prstGeom>
+          <a:ln>
+            <a:tailEnd type="triangle"/>
+          </a:ln>
+        </p:spPr>
+        <p:style>
+          <a:lnRef idx="1">
+            <a:schemeClr val="accent1"/>
+          </a:lnRef>
+          <a:fillRef idx="0">
+            <a:schemeClr val="accent1"/>
+          </a:fillRef>
+          <a:effectRef idx="0">
+            <a:schemeClr val="accent1"/>
+          </a:effectRef>
+          <a:fontRef idx="minor">
+            <a:schemeClr val="tx1"/>
+          </a:fontRef>
+        </p:style>
+      </p:cxnSp>
+      <p:sp>
+        <p:nvSpPr>
+          <p:cNvPr id="26" name="Flowchart: Multidocument 25">
+            <a:extLst>
+              <a:ext uri="{FF2B5EF4-FFF2-40B4-BE49-F238E27FC236}">
+                <a16:creationId xmlns:a16="http://schemas.microsoft.com/office/drawing/2014/main" id="{A77679CE-00AB-4711-9691-4F12BFDDEA2E}"/>
+              </a:ext>
+            </a:extLst>
+          </p:cNvPr>
+          <p:cNvSpPr/>
+          <p:nvPr/>
+        </p:nvSpPr>
+        <p:spPr>
+          <a:xfrm>
+            <a:off x="7949045" y="3136435"/>
+            <a:ext cx="1607360" cy="721031"/>
+          </a:xfrm>
+          <a:prstGeom prst="flowChartMultidocument">
+            <a:avLst/>
+          </a:prstGeom>
+        </p:spPr>
+        <p:style>
+          <a:lnRef idx="2">
+            <a:schemeClr val="accent1">
+              <a:shade val="50000"/>
+            </a:schemeClr>
+          </a:lnRef>
+          <a:fillRef idx="1">
+            <a:schemeClr val="accent1"/>
+          </a:fillRef>
+          <a:effectRef idx="0">
+            <a:schemeClr val="accent1"/>
+          </a:effectRef>
+          <a:fontRef idx="minor">
+            <a:schemeClr val="lt1"/>
+          </a:fontRef>
+        </p:style>
+        <p:txBody>
+          <a:bodyPr rtlCol="0" anchor="ctr"/>
+          <a:lstStyle/>
+          <a:p>
+            <a:pPr algn="ctr"/>
+            <a:r>
+              <a:rPr lang="en-GB" dirty="0"/>
+              <a:t>r10-100.npy</a:t>
+            </a:r>
+          </a:p>
+        </p:txBody>
+      </p:sp>
+      <p:sp>
+        <p:nvSpPr>
+          <p:cNvPr id="31" name="Flowchart: Multidocument 30">
+            <a:extLst>
+              <a:ext uri="{FF2B5EF4-FFF2-40B4-BE49-F238E27FC236}">
+                <a16:creationId xmlns:a16="http://schemas.microsoft.com/office/drawing/2014/main" id="{D555840E-377B-44FB-B9E2-66DED29C062A}"/>
+              </a:ext>
+            </a:extLst>
+          </p:cNvPr>
+          <p:cNvSpPr/>
+          <p:nvPr/>
+        </p:nvSpPr>
+        <p:spPr>
+          <a:xfrm>
+            <a:off x="10103175" y="3122729"/>
+            <a:ext cx="1576691" cy="659396"/>
+          </a:xfrm>
+          <a:prstGeom prst="flowChartMultidocument">
+            <a:avLst/>
+          </a:prstGeom>
+        </p:spPr>
+        <p:style>
+          <a:lnRef idx="2">
+            <a:schemeClr val="accent1">
+              <a:shade val="50000"/>
+            </a:schemeClr>
+          </a:lnRef>
+          <a:fillRef idx="1">
+            <a:schemeClr val="accent1"/>
+          </a:fillRef>
+          <a:effectRef idx="0">
+            <a:schemeClr val="accent1"/>
+          </a:effectRef>
+          <a:fontRef idx="minor">
+            <a:schemeClr val="lt1"/>
+          </a:fontRef>
+        </p:style>
+        <p:txBody>
+          <a:bodyPr rtlCol="0" anchor="ctr"/>
+          <a:lstStyle/>
+          <a:p>
+            <a:pPr algn="ctr"/>
+            <a:r>
+              <a:rPr lang="en-GB" dirty="0"/>
+              <a:t>c10-100.npy</a:t>
+            </a:r>
+          </a:p>
+        </p:txBody>
+      </p:sp>
+      <p:cxnSp>
+        <p:nvCxnSpPr>
+          <p:cNvPr id="48" name="Straight Arrow Connector 47">
+            <a:extLst>
+              <a:ext uri="{FF2B5EF4-FFF2-40B4-BE49-F238E27FC236}">
+                <a16:creationId xmlns:a16="http://schemas.microsoft.com/office/drawing/2014/main" id="{2F4A749E-8ABB-4EAA-98AC-E0B84F122765}"/>
+              </a:ext>
+            </a:extLst>
+          </p:cNvPr>
+          <p:cNvCxnSpPr>
+            <a:cxnSpLocks/>
+            <a:stCxn id="3" idx="2"/>
+            <a:endCxn id="26" idx="0"/>
+          </p:cNvCxnSpPr>
+          <p:nvPr/>
+        </p:nvCxnSpPr>
+        <p:spPr>
+          <a:xfrm flipH="1">
+            <a:off x="8863305" y="2805596"/>
+            <a:ext cx="998613" cy="330839"/>
+          </a:xfrm>
+          <a:prstGeom prst="straightConnector1">
+            <a:avLst/>
+          </a:prstGeom>
+          <a:ln>
+            <a:tailEnd type="triangle"/>
+          </a:ln>
+        </p:spPr>
+        <p:style>
+          <a:lnRef idx="1">
+            <a:schemeClr val="accent1"/>
+          </a:lnRef>
+          <a:fillRef idx="0">
+            <a:schemeClr val="accent1"/>
+          </a:fillRef>
+          <a:effectRef idx="0">
+            <a:schemeClr val="accent1"/>
+          </a:effectRef>
+          <a:fontRef idx="minor">
+            <a:schemeClr val="tx1"/>
+          </a:fontRef>
+        </p:style>
+      </p:cxnSp>
+      <p:cxnSp>
+        <p:nvCxnSpPr>
+          <p:cNvPr id="51" name="Straight Arrow Connector 50">
+            <a:extLst>
+              <a:ext uri="{FF2B5EF4-FFF2-40B4-BE49-F238E27FC236}">
+                <a16:creationId xmlns:a16="http://schemas.microsoft.com/office/drawing/2014/main" id="{6DCD99B9-E5BF-4302-8A18-1113F31DDCEC}"/>
+              </a:ext>
+            </a:extLst>
+          </p:cNvPr>
+          <p:cNvCxnSpPr>
+            <a:cxnSpLocks/>
+            <a:stCxn id="3" idx="2"/>
+            <a:endCxn id="31" idx="0"/>
+          </p:cNvCxnSpPr>
+          <p:nvPr/>
+        </p:nvCxnSpPr>
+        <p:spPr>
+          <a:xfrm>
+            <a:off x="9861918" y="2805596"/>
+            <a:ext cx="1138073" cy="317133"/>
+          </a:xfrm>
+          <a:prstGeom prst="straightConnector1">
+            <a:avLst/>
+          </a:prstGeom>
+          <a:ln>
+            <a:tailEnd type="triangle"/>
+          </a:ln>
+        </p:spPr>
+        <p:style>
+          <a:lnRef idx="1">
+            <a:schemeClr val="accent1"/>
+          </a:lnRef>
+          <a:fillRef idx="0">
+            <a:schemeClr val="accent1"/>
+          </a:fillRef>
+          <a:effectRef idx="0">
+            <a:schemeClr val="accent1"/>
+          </a:effectRef>
+          <a:fontRef idx="minor">
+            <a:schemeClr val="tx1"/>
+          </a:fontRef>
+        </p:style>
+      </p:cxnSp>
+      <p:cxnSp>
+        <p:nvCxnSpPr>
+          <p:cNvPr id="54" name="Straight Arrow Connector 53">
+            <a:extLst>
+              <a:ext uri="{FF2B5EF4-FFF2-40B4-BE49-F238E27FC236}">
+                <a16:creationId xmlns:a16="http://schemas.microsoft.com/office/drawing/2014/main" id="{5191E3CD-F768-4EC3-9316-BAF27BBF23B2}"/>
+              </a:ext>
+            </a:extLst>
+          </p:cNvPr>
+          <p:cNvCxnSpPr>
+            <a:cxnSpLocks/>
+            <a:stCxn id="16" idx="2"/>
+            <a:endCxn id="72" idx="0"/>
+          </p:cNvCxnSpPr>
+          <p:nvPr/>
+        </p:nvCxnSpPr>
+        <p:spPr>
+          <a:xfrm>
+            <a:off x="9637470" y="4681631"/>
+            <a:ext cx="33564" cy="1172985"/>
+          </a:xfrm>
+          <a:prstGeom prst="straightConnector1">
+            <a:avLst/>
+          </a:prstGeom>
+          <a:ln>
+            <a:tailEnd type="triangle"/>
+          </a:ln>
+        </p:spPr>
+        <p:style>
+          <a:lnRef idx="1">
+            <a:schemeClr val="accent1"/>
+          </a:lnRef>
+          <a:fillRef idx="0">
+            <a:schemeClr val="accent1"/>
+          </a:fillRef>
+          <a:effectRef idx="0">
+            <a:schemeClr val="accent1"/>
+          </a:effectRef>
+          <a:fontRef idx="minor">
+            <a:schemeClr val="tx1"/>
+          </a:fontRef>
+        </p:style>
+      </p:cxnSp>
+      <p:sp>
+        <p:nvSpPr>
+          <p:cNvPr id="59" name="Rectangle 58">
+            <a:extLst>
+              <a:ext uri="{FF2B5EF4-FFF2-40B4-BE49-F238E27FC236}">
+                <a16:creationId xmlns:a16="http://schemas.microsoft.com/office/drawing/2014/main" id="{7E440D81-1696-4749-B1C8-AEEF424F2B63}"/>
+              </a:ext>
+            </a:extLst>
+          </p:cNvPr>
+          <p:cNvSpPr/>
+          <p:nvPr/>
+        </p:nvSpPr>
+        <p:spPr>
+          <a:xfrm>
+            <a:off x="7569727" y="5335734"/>
+            <a:ext cx="4278534" cy="1332998"/>
+          </a:xfrm>
+          <a:prstGeom prst="rect">
+            <a:avLst/>
+          </a:prstGeom>
+          <a:noFill/>
+          <a:ln>
+            <a:solidFill>
+              <a:schemeClr val="tx1"/>
+            </a:solidFill>
+          </a:ln>
+        </p:spPr>
+        <p:style>
+          <a:lnRef idx="2">
+            <a:schemeClr val="accent1">
+              <a:shade val="50000"/>
+            </a:schemeClr>
+          </a:lnRef>
+          <a:fillRef idx="1">
+            <a:schemeClr val="accent1"/>
+          </a:fillRef>
+          <a:effectRef idx="0">
+            <a:schemeClr val="accent1"/>
+          </a:effectRef>
+          <a:fontRef idx="minor">
+            <a:schemeClr val="lt1"/>
+          </a:fontRef>
+        </p:style>
+        <p:txBody>
+          <a:bodyPr rtlCol="0" anchor="t" anchorCtr="0"/>
+          <a:lstStyle/>
+          <a:p>
+            <a:pPr algn="ctr"/>
+            <a:r>
+              <a:rPr lang="en-GB" dirty="0">
+                <a:solidFill>
+                  <a:schemeClr val="tx1"/>
+                </a:solidFill>
+              </a:rPr>
+              <a:t>./moven.sh n</a:t>
+            </a:r>
+          </a:p>
+        </p:txBody>
+      </p:sp>
+      <p:sp>
+        <p:nvSpPr>
+          <p:cNvPr id="72" name="Rectangle 71">
+            <a:extLst>
+              <a:ext uri="{FF2B5EF4-FFF2-40B4-BE49-F238E27FC236}">
+                <a16:creationId xmlns:a16="http://schemas.microsoft.com/office/drawing/2014/main" id="{E23008AF-7E1B-449D-B45A-9380A3FECFE9}"/>
+              </a:ext>
+            </a:extLst>
+          </p:cNvPr>
+          <p:cNvSpPr/>
+          <p:nvPr/>
+        </p:nvSpPr>
+        <p:spPr>
+          <a:xfrm>
+            <a:off x="8342077" y="5854616"/>
+            <a:ext cx="2657914" cy="503339"/>
+          </a:xfrm>
+          <a:prstGeom prst="rect">
+            <a:avLst/>
+          </a:prstGeom>
+          <a:solidFill>
+            <a:schemeClr val="accent2"/>
+          </a:solidFill>
+        </p:spPr>
+        <p:style>
+          <a:lnRef idx="2">
+            <a:schemeClr val="accent1">
+              <a:shade val="50000"/>
+            </a:schemeClr>
+          </a:lnRef>
+          <a:fillRef idx="1">
+            <a:schemeClr val="accent1"/>
+          </a:fillRef>
+          <a:effectRef idx="0">
+            <a:schemeClr val="accent1"/>
+          </a:effectRef>
+          <a:fontRef idx="minor">
+            <a:schemeClr val="lt1"/>
+          </a:fontRef>
+        </p:style>
+        <p:txBody>
+          <a:bodyPr rtlCol="0" anchor="ctr"/>
+          <a:lstStyle/>
+          <a:p>
+            <a:pPr algn="ctr"/>
+            <a:r>
+              <a:rPr lang="en-GB" dirty="0"/>
+              <a:t>learnbot_move_q.py</a:t>
+            </a:r>
+          </a:p>
+        </p:txBody>
+      </p:sp>
+      <p:sp>
+        <p:nvSpPr>
+          <p:cNvPr id="93" name="Rectangle 92">
+            <a:extLst>
+              <a:ext uri="{FF2B5EF4-FFF2-40B4-BE49-F238E27FC236}">
+                <a16:creationId xmlns:a16="http://schemas.microsoft.com/office/drawing/2014/main" id="{65B7C636-DE40-4614-9F0E-3D2F4540FEAA}"/>
+              </a:ext>
+            </a:extLst>
+          </p:cNvPr>
+          <p:cNvSpPr/>
+          <p:nvPr/>
+        </p:nvSpPr>
+        <p:spPr>
+          <a:xfrm>
+            <a:off x="480636" y="3852847"/>
+            <a:ext cx="2657915" cy="503339"/>
+          </a:xfrm>
+          <a:prstGeom prst="rect">
+            <a:avLst/>
+          </a:prstGeom>
+          <a:solidFill>
+            <a:schemeClr val="accent2"/>
+          </a:solidFill>
+        </p:spPr>
+        <p:style>
+          <a:lnRef idx="2">
+            <a:schemeClr val="accent1">
+              <a:shade val="50000"/>
+            </a:schemeClr>
+          </a:lnRef>
+          <a:fillRef idx="1">
+            <a:schemeClr val="accent1"/>
+          </a:fillRef>
+          <a:effectRef idx="0">
+            <a:schemeClr val="accent1"/>
+          </a:effectRef>
+          <a:fontRef idx="minor">
+            <a:schemeClr val="lt1"/>
+          </a:fontRef>
+        </p:style>
+        <p:txBody>
+          <a:bodyPr rtlCol="0" anchor="ctr"/>
+          <a:lstStyle/>
+          <a:p>
+            <a:pPr algn="ctr"/>
+            <a:r>
+              <a:rPr lang="en-GB" dirty="0"/>
+              <a:t>learnbot_cheat.py</a:t>
+            </a:r>
+          </a:p>
+        </p:txBody>
+      </p:sp>
+      <p:sp>
+        <p:nvSpPr>
+          <p:cNvPr id="95" name="Rectangle 94">
+            <a:extLst>
+              <a:ext uri="{FF2B5EF4-FFF2-40B4-BE49-F238E27FC236}">
+                <a16:creationId xmlns:a16="http://schemas.microsoft.com/office/drawing/2014/main" id="{15B4F8FA-5F94-4B02-94E6-00F425EA7489}"/>
+              </a:ext>
+            </a:extLst>
+          </p:cNvPr>
+          <p:cNvSpPr/>
+          <p:nvPr/>
+        </p:nvSpPr>
+        <p:spPr>
+          <a:xfrm>
+            <a:off x="304445" y="3464408"/>
+            <a:ext cx="3119889" cy="1050082"/>
+          </a:xfrm>
+          <a:prstGeom prst="rect">
+            <a:avLst/>
+          </a:prstGeom>
+          <a:noFill/>
+          <a:ln>
+            <a:solidFill>
+              <a:schemeClr val="tx1"/>
+            </a:solidFill>
+          </a:ln>
+        </p:spPr>
+        <p:style>
+          <a:lnRef idx="2">
+            <a:schemeClr val="accent1">
+              <a:shade val="50000"/>
+            </a:schemeClr>
+          </a:lnRef>
+          <a:fillRef idx="1">
+            <a:schemeClr val="accent1"/>
+          </a:fillRef>
+          <a:effectRef idx="0">
+            <a:schemeClr val="accent1"/>
+          </a:effectRef>
+          <a:fontRef idx="minor">
+            <a:schemeClr val="lt1"/>
+          </a:fontRef>
+        </p:style>
+        <p:txBody>
+          <a:bodyPr rtlCol="0" anchor="t" anchorCtr="0"/>
+          <a:lstStyle/>
+          <a:p>
+            <a:pPr algn="ctr"/>
+            <a:r>
+              <a:rPr lang="en-GB" dirty="0">
+                <a:solidFill>
+                  <a:schemeClr val="tx1"/>
+                </a:solidFill>
+              </a:rPr>
+              <a:t>./cheat.sh</a:t>
+            </a:r>
+          </a:p>
+        </p:txBody>
+      </p:sp>
+      <p:sp>
+        <p:nvSpPr>
+          <p:cNvPr id="108" name="Rectangle 107">
+            <a:extLst>
+              <a:ext uri="{FF2B5EF4-FFF2-40B4-BE49-F238E27FC236}">
+                <a16:creationId xmlns:a16="http://schemas.microsoft.com/office/drawing/2014/main" id="{5BD0DB21-6181-4609-A6D5-39CDFC6D6710}"/>
+              </a:ext>
+            </a:extLst>
+          </p:cNvPr>
+          <p:cNvSpPr/>
+          <p:nvPr/>
+        </p:nvSpPr>
+        <p:spPr>
+          <a:xfrm>
+            <a:off x="7569726" y="1865037"/>
+            <a:ext cx="4293810" cy="3366969"/>
+          </a:xfrm>
+          <a:prstGeom prst="rect">
+            <a:avLst/>
+          </a:prstGeom>
+          <a:noFill/>
+          <a:ln>
+            <a:solidFill>
+              <a:schemeClr val="tx1"/>
+            </a:solidFill>
+          </a:ln>
+        </p:spPr>
+        <p:style>
+          <a:lnRef idx="2">
+            <a:schemeClr val="accent1">
+              <a:shade val="50000"/>
+            </a:schemeClr>
+          </a:lnRef>
+          <a:fillRef idx="1">
+            <a:schemeClr val="accent1"/>
+          </a:fillRef>
+          <a:effectRef idx="0">
+            <a:schemeClr val="accent1"/>
+          </a:effectRef>
+          <a:fontRef idx="minor">
+            <a:schemeClr val="lt1"/>
+          </a:fontRef>
+        </p:style>
+        <p:txBody>
+          <a:bodyPr rtlCol="0" anchor="t" anchorCtr="0"/>
+          <a:lstStyle/>
+          <a:p>
+            <a:pPr algn="ctr"/>
+            <a:r>
+              <a:rPr lang="en-GB" dirty="0">
+                <a:solidFill>
+                  <a:schemeClr val="tx1"/>
+                </a:solidFill>
+              </a:rPr>
+              <a:t>./learnn.sh</a:t>
+            </a:r>
+          </a:p>
+        </p:txBody>
+      </p:sp>
+      <p:sp>
+        <p:nvSpPr>
+          <p:cNvPr id="149" name="Rectangle 148">
+            <a:extLst>
+              <a:ext uri="{FF2B5EF4-FFF2-40B4-BE49-F238E27FC236}">
+                <a16:creationId xmlns:a16="http://schemas.microsoft.com/office/drawing/2014/main" id="{141E0A14-E010-4D91-A44A-86880570E08A}"/>
+              </a:ext>
+            </a:extLst>
+          </p:cNvPr>
+          <p:cNvSpPr/>
+          <p:nvPr/>
+        </p:nvSpPr>
+        <p:spPr>
+          <a:xfrm>
+            <a:off x="201819" y="6039969"/>
+            <a:ext cx="1650033" cy="503339"/>
+          </a:xfrm>
+          <a:prstGeom prst="rect">
+            <a:avLst/>
+          </a:prstGeom>
+          <a:solidFill>
+            <a:schemeClr val="accent2"/>
+          </a:solidFill>
+        </p:spPr>
+        <p:style>
+          <a:lnRef idx="2">
+            <a:schemeClr val="accent1">
+              <a:shade val="50000"/>
+            </a:schemeClr>
+          </a:lnRef>
+          <a:fillRef idx="1">
+            <a:schemeClr val="accent1"/>
+          </a:fillRef>
+          <a:effectRef idx="0">
+            <a:schemeClr val="accent1"/>
+          </a:effectRef>
+          <a:fontRef idx="minor">
+            <a:schemeClr val="lt1"/>
+          </a:fontRef>
+        </p:style>
+        <p:txBody>
+          <a:bodyPr rtlCol="0" anchor="ctr"/>
+          <a:lstStyle/>
+          <a:p>
+            <a:pPr algn="ctr"/>
+            <a:r>
+              <a:rPr lang="en-GB" dirty="0"/>
+              <a:t>test_servos.py</a:t>
+            </a:r>
+          </a:p>
+        </p:txBody>
+      </p:sp>
+      <p:sp>
+        <p:nvSpPr>
+          <p:cNvPr id="151" name="Rectangle 150">
+            <a:extLst>
+              <a:ext uri="{FF2B5EF4-FFF2-40B4-BE49-F238E27FC236}">
+                <a16:creationId xmlns:a16="http://schemas.microsoft.com/office/drawing/2014/main" id="{8A0F0539-1E7C-471D-BBEB-274F417DCD28}"/>
+              </a:ext>
+            </a:extLst>
+          </p:cNvPr>
+          <p:cNvSpPr/>
+          <p:nvPr/>
+        </p:nvSpPr>
+        <p:spPr>
+          <a:xfrm>
+            <a:off x="214356" y="6417062"/>
+            <a:ext cx="1650033" cy="503339"/>
+          </a:xfrm>
+          <a:prstGeom prst="rect">
+            <a:avLst/>
+          </a:prstGeom>
+          <a:solidFill>
+            <a:schemeClr val="accent2"/>
+          </a:solidFill>
+        </p:spPr>
+        <p:style>
+          <a:lnRef idx="2">
+            <a:schemeClr val="accent1">
+              <a:shade val="50000"/>
+            </a:schemeClr>
+          </a:lnRef>
+          <a:fillRef idx="1">
+            <a:schemeClr val="accent1"/>
+          </a:fillRef>
+          <a:effectRef idx="0">
+            <a:schemeClr val="accent1"/>
+          </a:effectRef>
+          <a:fontRef idx="minor">
+            <a:schemeClr val="lt1"/>
+          </a:fontRef>
+        </p:style>
+        <p:txBody>
+          <a:bodyPr rtlCol="0" anchor="ctr"/>
+          <a:lstStyle/>
+          <a:p>
+            <a:pPr algn="ctr"/>
+            <a:r>
+              <a:rPr lang="en-GB"/>
+              <a:t>test_dist.</a:t>
+            </a:r>
+            <a:r>
+              <a:rPr lang="en-GB" dirty="0"/>
+              <a:t>py</a:t>
             </a:r>
           </a:p>
         </p:txBody>
